--- a/PythonBootCamp/SlideShow/Section03-PythonObjectandDataStructureBasics/14-Variable Assignments.pptx
+++ b/PythonBootCamp/SlideShow/Section03-PythonObjectandDataStructureBasics/14-Variable Assignments.pptx
@@ -116,6 +116,11 @@
       </a:defRPr>
     </a:lvl9pPr>
   </p:defaultTextStyle>
+  <p:extLst>
+    <p:ext uri="{EFAFB233-063F-42B5-8137-9DF3F51BA10A}">
+      <p15:sldGuideLst xmlns:p15="http://schemas.microsoft.com/office/powerpoint/2012/main"/>
+    </p:ext>
+  </p:extLst>
 </p:presentation>
 </file>
 
@@ -201,7 +206,7 @@
           <a:p>
             <a:fld id="{F2FA50F0-8C7F-1242-AF0F-3499537F3810}" type="datetimeFigureOut">
               <a:rPr lang="en-US" smtClean="0"/>
-              <a:t>7/10/24</a:t>
+              <a:t>7/23/24</a:t>
             </a:fld>
             <a:endParaRPr lang="en-US"/>
           </a:p>
@@ -1655,7 +1660,7 @@
           <a:p>
             <a:fld id="{EADDF6A7-9218-664C-ADCC-07091263FA13}" type="datetimeFigureOut">
               <a:rPr lang="en-US" smtClean="0"/>
-              <a:t>7/10/24</a:t>
+              <a:t>7/23/24</a:t>
             </a:fld>
             <a:endParaRPr lang="en-US"/>
           </a:p>
@@ -1853,7 +1858,7 @@
           <a:p>
             <a:fld id="{EADDF6A7-9218-664C-ADCC-07091263FA13}" type="datetimeFigureOut">
               <a:rPr lang="en-US" smtClean="0"/>
-              <a:t>7/10/24</a:t>
+              <a:t>7/23/24</a:t>
             </a:fld>
             <a:endParaRPr lang="en-US"/>
           </a:p>
@@ -2061,7 +2066,7 @@
           <a:p>
             <a:fld id="{EADDF6A7-9218-664C-ADCC-07091263FA13}" type="datetimeFigureOut">
               <a:rPr lang="en-US" smtClean="0"/>
-              <a:t>7/10/24</a:t>
+              <a:t>7/23/24</a:t>
             </a:fld>
             <a:endParaRPr lang="en-US"/>
           </a:p>
@@ -2618,7 +2623,7 @@
           <a:p>
             <a:fld id="{EADDF6A7-9218-664C-ADCC-07091263FA13}" type="datetimeFigureOut">
               <a:rPr lang="en-US" smtClean="0"/>
-              <a:t>7/10/24</a:t>
+              <a:t>7/23/24</a:t>
             </a:fld>
             <a:endParaRPr lang="en-US"/>
           </a:p>
@@ -2893,7 +2898,7 @@
           <a:p>
             <a:fld id="{EADDF6A7-9218-664C-ADCC-07091263FA13}" type="datetimeFigureOut">
               <a:rPr lang="en-US" smtClean="0"/>
-              <a:t>7/10/24</a:t>
+              <a:t>7/23/24</a:t>
             </a:fld>
             <a:endParaRPr lang="en-US"/>
           </a:p>
@@ -3158,7 +3163,7 @@
           <a:p>
             <a:fld id="{EADDF6A7-9218-664C-ADCC-07091263FA13}" type="datetimeFigureOut">
               <a:rPr lang="en-US" smtClean="0"/>
-              <a:t>7/10/24</a:t>
+              <a:t>7/23/24</a:t>
             </a:fld>
             <a:endParaRPr lang="en-US"/>
           </a:p>
@@ -3570,7 +3575,7 @@
           <a:p>
             <a:fld id="{EADDF6A7-9218-664C-ADCC-07091263FA13}" type="datetimeFigureOut">
               <a:rPr lang="en-US" smtClean="0"/>
-              <a:t>7/10/24</a:t>
+              <a:t>7/23/24</a:t>
             </a:fld>
             <a:endParaRPr lang="en-US"/>
           </a:p>
@@ -3711,7 +3716,7 @@
           <a:p>
             <a:fld id="{EADDF6A7-9218-664C-ADCC-07091263FA13}" type="datetimeFigureOut">
               <a:rPr lang="en-US" smtClean="0"/>
-              <a:t>7/10/24</a:t>
+              <a:t>7/23/24</a:t>
             </a:fld>
             <a:endParaRPr lang="en-US"/>
           </a:p>
@@ -3824,7 +3829,7 @@
           <a:p>
             <a:fld id="{EADDF6A7-9218-664C-ADCC-07091263FA13}" type="datetimeFigureOut">
               <a:rPr lang="en-US" smtClean="0"/>
-              <a:t>7/10/24</a:t>
+              <a:t>7/23/24</a:t>
             </a:fld>
             <a:endParaRPr lang="en-US"/>
           </a:p>
@@ -4135,7 +4140,7 @@
           <a:p>
             <a:fld id="{EADDF6A7-9218-664C-ADCC-07091263FA13}" type="datetimeFigureOut">
               <a:rPr lang="en-US" smtClean="0"/>
-              <a:t>7/10/24</a:t>
+              <a:t>7/23/24</a:t>
             </a:fld>
             <a:endParaRPr lang="en-US"/>
           </a:p>
@@ -4423,7 +4428,7 @@
           <a:p>
             <a:fld id="{EADDF6A7-9218-664C-ADCC-07091263FA13}" type="datetimeFigureOut">
               <a:rPr lang="en-US" smtClean="0"/>
-              <a:t>7/10/24</a:t>
+              <a:t>7/23/24</a:t>
             </a:fld>
             <a:endParaRPr lang="en-US"/>
           </a:p>
@@ -4664,7 +4669,7 @@
           <a:p>
             <a:fld id="{EADDF6A7-9218-664C-ADCC-07091263FA13}" type="datetimeFigureOut">
               <a:rPr lang="en-US" smtClean="0"/>
-              <a:t>7/10/24</a:t>
+              <a:t>7/23/24</a:t>
             </a:fld>
             <a:endParaRPr lang="en-US"/>
           </a:p>
@@ -5326,7 +5331,7 @@
         <p:spPr>
           <a:xfrm>
             <a:off x="1624383" y="4272088"/>
-            <a:ext cx="9193542" cy="461665"/>
+            <a:ext cx="9363461" cy="461665"/>
           </a:xfrm>
           <a:prstGeom prst="rect">
             <a:avLst/>
@@ -5352,7 +5357,7 @@
                 <a:cs typeface="Montserrat"/>
                 <a:sym typeface="Montserrat"/>
               </a:rPr>
-              <a:t>[SEE VIDEO FOR NUMBER UNDERSTANDING IN JUPYTER]</a:t>
+              <a:t>[SEE VIDEO FOR VARIABLE UNDERSTANDING IN JUPYTER]</a:t>
             </a:r>
           </a:p>
         </p:txBody>
